--- a/课程PPT/07.JavaScript面向对象编程 一（7、原型继承）.pptx
+++ b/课程PPT/07.JavaScript面向对象编程 一（7、原型继承）.pptx
@@ -7905,13 +7905,7 @@
               <a:rPr kumimoji="0" lang="zh-CN" altLang="en-US" dirty="0">
                 <a:sym typeface="+mn-ea"/>
               </a:rPr>
-              <a:t>以及</a:t>
-            </a:r>
-            <a:r>
-              <a:rPr kumimoji="0" lang="zh-CN" altLang="en-US" dirty="0">
-                <a:sym typeface="+mn-ea"/>
-              </a:rPr>
-              <a:t>原型链的图解</a:t>
+              <a:t>以及原型链的图解</a:t>
             </a:r>
             <a:endParaRPr kumimoji="0" lang="zh-CN" altLang="en-US" dirty="0">
               <a:sym typeface="+mn-ea"/>
@@ -15949,7 +15943,7 @@
                   <a:schemeClr val="tx1"/>
                 </a:solidFill>
               </a:rPr>
-              <a:t>语言继承方式简介</a:t>
+              <a:t>语言继承方式</a:t>
             </a:r>
             <a:br>
               <a:rPr lang="zh-CN" altLang="en-US" sz="3200" dirty="0">
@@ -16244,12 +16238,16 @@
           <a:lstStyle/>
           <a:p>
             <a:r>
-              <a:rPr lang="en-US" dirty="0" smtClean="0"/>
+              <a:rPr kumimoji="0" lang="en-US" altLang="zh-CN" dirty="0">
+                <a:sym typeface="+mn-ea"/>
+              </a:rPr>
               <a:t>JS</a:t>
             </a:r>
             <a:r>
-              <a:rPr lang="zh-CN" altLang="en-US" dirty="0" smtClean="0"/>
-              <a:t>对象简介</a:t>
+              <a:rPr kumimoji="0" lang="zh-CN" altLang="en-US" dirty="0">
+                <a:sym typeface="+mn-ea"/>
+              </a:rPr>
+              <a:t>对象及继承方式综述</a:t>
             </a:r>
             <a:endParaRPr lang="zh-CN" altLang="en-US" dirty="0" smtClean="0">
               <a:sym typeface="+mn-ea"/>
@@ -20667,17 +20665,7 @@
                 <a:latin typeface="+mn-ea"/>
                 <a:ea typeface="+mn-ea"/>
               </a:rPr>
-              <a:t>后</a:t>
-            </a:r>
-            <a:r>
-              <a:rPr lang="zh-CN" altLang="en-US" sz="2200">
-                <a:solidFill>
-                  <a:srgbClr val="FF0000"/>
-                </a:solidFill>
-                <a:latin typeface="+mn-ea"/>
-                <a:ea typeface="+mn-ea"/>
-              </a:rPr>
-              <a:t>半部分 属性相关操作</a:t>
+              <a:t>后半部分 属性相关操作</a:t>
             </a:r>
             <a:endParaRPr lang="zh-CN" altLang="en-US" sz="2200">
               <a:solidFill>

--- a/课程PPT/07.JavaScript面向对象编程 一（7、原型继承）.pptx
+++ b/课程PPT/07.JavaScript面向对象编程 一（7、原型继承）.pptx
@@ -11415,10 +11415,10 @@
           <a:bodyPr/>
           <a:p>
             <a:r>
-              <a:rPr lang="zh-CN" altLang="en-US" dirty="0" smtClean="0">
+              <a:rPr kumimoji="0" lang="en-US" altLang="zh-CN" dirty="0">
                 <a:sym typeface="+mn-ea"/>
               </a:rPr>
-              <a:t>JS对象的原型链</a:t>
+              <a:t>基于构造函数实现的原型继承</a:t>
             </a:r>
             <a:r>
               <a:rPr lang="en-US" altLang="zh-CN" dirty="0" smtClean="0">
@@ -18406,6 +18406,18 @@
               </a:rPr>
               <a:t>JS对象的原型链</a:t>
             </a:r>
+            <a:r>
+              <a:rPr lang="en-US" altLang="zh-CN" dirty="0" smtClean="0">
+                <a:sym typeface="+mn-ea"/>
+              </a:rPr>
+              <a:t>-</a:t>
+            </a:r>
+            <a:r>
+              <a:rPr lang="zh-CN" altLang="en-US" dirty="0" smtClean="0">
+                <a:sym typeface="+mn-ea"/>
+              </a:rPr>
+              <a:t>属性操作</a:t>
+            </a:r>
             <a:endParaRPr kumimoji="0" lang="zh-CN" altLang="en-US" dirty="0"/>
           </a:p>
         </p:txBody>
@@ -20610,6 +20622,18 @@
                 <a:sym typeface="+mn-ea"/>
               </a:rPr>
               <a:t>JS对象的原型链</a:t>
+            </a:r>
+            <a:r>
+              <a:rPr lang="en-US" altLang="zh-CN" dirty="0" smtClean="0">
+                <a:sym typeface="+mn-ea"/>
+              </a:rPr>
+              <a:t>-</a:t>
+            </a:r>
+            <a:r>
+              <a:rPr lang="zh-CN" altLang="en-US" dirty="0" smtClean="0">
+                <a:sym typeface="+mn-ea"/>
+              </a:rPr>
+              <a:t>属性操作</a:t>
             </a:r>
             <a:endParaRPr kumimoji="0" lang="zh-CN" altLang="en-US" dirty="0"/>
           </a:p>
